--- a/lesson19.pptx
+++ b/lesson19.pptx
@@ -150,8 +150,78 @@
 </p:presentation>
 </file>
 
+<file path=ppt/revisionInfo.xml><?xml version="1.0" encoding="utf-8"?>
+<p1510:revInfo xmlns:a="http://schemas.openxmlformats.org/drawingml/2006/main" xmlns:r="http://schemas.openxmlformats.org/officeDocument/2006/relationships" xmlns:p1510="http://schemas.microsoft.com/office/powerpoint/2015/10/main">
+  <p1510:revLst>
+    <p1510:client id="{3919BE2F-D6AB-4280-AA45-02603DC3C7E6}" v="1" dt="2022-12-15T15:32:27.662"/>
+  </p1510:revLst>
+</p1510:revInfo>
+</file>
+
 <file path=ppt/changesInfos/changesInfo1.xml><?xml version="1.0" encoding="utf-8"?>
 <pc:chgInfo xmlns:a="http://schemas.openxmlformats.org/drawingml/2006/main" xmlns:r="http://schemas.openxmlformats.org/officeDocument/2006/relationships" xmlns:ac="http://schemas.microsoft.com/office/drawing/2013/main/command" xmlns:pc="http://schemas.microsoft.com/office/powerpoint/2013/main/command">
+  <pc:docChgLst>
+    <pc:chgData name="Anatoliy Kigel" userId="7432c6c4687b0a9c" providerId="LiveId" clId="{3919BE2F-D6AB-4280-AA45-02603DC3C7E6}"/>
+    <pc:docChg chg="custSel modSld">
+      <pc:chgData name="Anatoliy Kigel" userId="7432c6c4687b0a9c" providerId="LiveId" clId="{3919BE2F-D6AB-4280-AA45-02603DC3C7E6}" dt="2022-12-15T15:32:32.871" v="6" actId="1076"/>
+      <pc:docMkLst>
+        <pc:docMk/>
+      </pc:docMkLst>
+      <pc:sldChg chg="modSp mod">
+        <pc:chgData name="Anatoliy Kigel" userId="7432c6c4687b0a9c" providerId="LiveId" clId="{3919BE2F-D6AB-4280-AA45-02603DC3C7E6}" dt="2022-12-15T15:32:10.614" v="0" actId="2164"/>
+        <pc:sldMkLst>
+          <pc:docMk/>
+          <pc:sldMk cId="2851974405" sldId="472"/>
+        </pc:sldMkLst>
+        <pc:graphicFrameChg chg="modGraphic">
+          <ac:chgData name="Anatoliy Kigel" userId="7432c6c4687b0a9c" providerId="LiveId" clId="{3919BE2F-D6AB-4280-AA45-02603DC3C7E6}" dt="2022-12-15T15:32:10.614" v="0" actId="2164"/>
+          <ac:graphicFrameMkLst>
+            <pc:docMk/>
+            <pc:sldMk cId="2851974405" sldId="472"/>
+            <ac:graphicFrameMk id="12" creationId="{00000000-0000-0000-0000-000000000000}"/>
+          </ac:graphicFrameMkLst>
+        </pc:graphicFrameChg>
+      </pc:sldChg>
+      <pc:sldChg chg="modSp mod">
+        <pc:chgData name="Anatoliy Kigel" userId="7432c6c4687b0a9c" providerId="LiveId" clId="{3919BE2F-D6AB-4280-AA45-02603DC3C7E6}" dt="2022-12-15T15:32:15.840" v="1" actId="2164"/>
+        <pc:sldMkLst>
+          <pc:docMk/>
+          <pc:sldMk cId="3996819640" sldId="473"/>
+        </pc:sldMkLst>
+        <pc:graphicFrameChg chg="modGraphic">
+          <ac:chgData name="Anatoliy Kigel" userId="7432c6c4687b0a9c" providerId="LiveId" clId="{3919BE2F-D6AB-4280-AA45-02603DC3C7E6}" dt="2022-12-15T15:32:15.840" v="1" actId="2164"/>
+          <ac:graphicFrameMkLst>
+            <pc:docMk/>
+            <pc:sldMk cId="3996819640" sldId="473"/>
+            <ac:graphicFrameMk id="10" creationId="{00000000-0000-0000-0000-000000000000}"/>
+          </ac:graphicFrameMkLst>
+        </pc:graphicFrameChg>
+      </pc:sldChg>
+      <pc:sldChg chg="addSp delSp modSp mod">
+        <pc:chgData name="Anatoliy Kigel" userId="7432c6c4687b0a9c" providerId="LiveId" clId="{3919BE2F-D6AB-4280-AA45-02603DC3C7E6}" dt="2022-12-15T15:32:32.871" v="6" actId="1076"/>
+        <pc:sldMkLst>
+          <pc:docMk/>
+          <pc:sldMk cId="2032172956" sldId="474"/>
+        </pc:sldMkLst>
+        <pc:graphicFrameChg chg="add mod">
+          <ac:chgData name="Anatoliy Kigel" userId="7432c6c4687b0a9c" providerId="LiveId" clId="{3919BE2F-D6AB-4280-AA45-02603DC3C7E6}" dt="2022-12-15T15:32:32.871" v="6" actId="1076"/>
+          <ac:graphicFrameMkLst>
+            <pc:docMk/>
+            <pc:sldMk cId="2032172956" sldId="474"/>
+            <ac:graphicFrameMk id="2" creationId="{0E8793C0-EE85-7F35-C645-5173B19444F4}"/>
+          </ac:graphicFrameMkLst>
+        </pc:graphicFrameChg>
+        <pc:graphicFrameChg chg="del modGraphic">
+          <ac:chgData name="Anatoliy Kigel" userId="7432c6c4687b0a9c" providerId="LiveId" clId="{3919BE2F-D6AB-4280-AA45-02603DC3C7E6}" dt="2022-12-15T15:32:29.594" v="5" actId="478"/>
+          <ac:graphicFrameMkLst>
+            <pc:docMk/>
+            <pc:sldMk cId="2032172956" sldId="474"/>
+            <ac:graphicFrameMk id="9" creationId="{00000000-0000-0000-0000-000000000000}"/>
+          </ac:graphicFrameMkLst>
+        </pc:graphicFrameChg>
+      </pc:sldChg>
+    </pc:docChg>
+  </pc:docChgLst>
   <pc:docChgLst>
     <pc:chgData name="Anatoliy Kigel" userId="7432c6c4687b0a9c" providerId="LiveId" clId="{E7740F2C-CDB2-4D25-8CF1-AB69F449CFCB}"/>
     <pc:docChg chg="addSld delSld modSld">
@@ -347,7 +417,7 @@
             <a:fld id="{85522811-C5C6-42D2-A409-F8556720C93F}" type="datetimeFigureOut">
               <a:rPr lang="uk-UA" smtClean="0"/>
               <a:pPr/>
-              <a:t>03.08.2022</a:t>
+              <a:t>15.12.2022</a:t>
             </a:fld>
             <a:endParaRPr lang="uk-UA"/>
           </a:p>
@@ -892,7 +962,7 @@
             <a:fld id="{0A2E6AC4-C3FE-4E70-88D1-136405B25267}" type="datetime1">
               <a:rPr lang="uk-UA" smtClean="0"/>
               <a:pPr/>
-              <a:t>03.08.2022</a:t>
+              <a:t>15.12.2022</a:t>
             </a:fld>
             <a:endParaRPr lang="uk-UA"/>
           </a:p>
@@ -1059,7 +1129,7 @@
             <a:fld id="{B4D85949-5AE9-41F1-B18C-DA1006B0E8CC}" type="datetime1">
               <a:rPr lang="uk-UA" smtClean="0"/>
               <a:pPr/>
-              <a:t>03.08.2022</a:t>
+              <a:t>15.12.2022</a:t>
             </a:fld>
             <a:endParaRPr lang="uk-UA"/>
           </a:p>
@@ -1236,7 +1306,7 @@
             <a:fld id="{B20C227C-94C5-4BA1-A89C-1C7570144B22}" type="datetime1">
               <a:rPr lang="uk-UA" smtClean="0"/>
               <a:pPr/>
-              <a:t>03.08.2022</a:t>
+              <a:t>15.12.2022</a:t>
             </a:fld>
             <a:endParaRPr lang="uk-UA"/>
           </a:p>
@@ -1403,7 +1473,7 @@
             <a:fld id="{68E2E168-B245-4D8D-8538-B29990DBF87B}" type="datetime1">
               <a:rPr lang="uk-UA" smtClean="0"/>
               <a:pPr/>
-              <a:t>03.08.2022</a:t>
+              <a:t>15.12.2022</a:t>
             </a:fld>
             <a:endParaRPr lang="uk-UA"/>
           </a:p>
@@ -1646,7 +1716,7 @@
             <a:fld id="{356DAF6E-7007-4E61-B36E-794BF232B234}" type="datetime1">
               <a:rPr lang="uk-UA" smtClean="0"/>
               <a:pPr/>
-              <a:t>03.08.2022</a:t>
+              <a:t>15.12.2022</a:t>
             </a:fld>
             <a:endParaRPr lang="uk-UA"/>
           </a:p>
@@ -1931,7 +2001,7 @@
             <a:fld id="{4B2141DD-FE72-44AA-B946-B70892F1F5B7}" type="datetime1">
               <a:rPr lang="uk-UA" smtClean="0"/>
               <a:pPr/>
-              <a:t>03.08.2022</a:t>
+              <a:t>15.12.2022</a:t>
             </a:fld>
             <a:endParaRPr lang="uk-UA"/>
           </a:p>
@@ -2350,7 +2420,7 @@
             <a:fld id="{D1C4DC7C-6CC4-4D1F-A21B-A650800E0532}" type="datetime1">
               <a:rPr lang="uk-UA" smtClean="0"/>
               <a:pPr/>
-              <a:t>03.08.2022</a:t>
+              <a:t>15.12.2022</a:t>
             </a:fld>
             <a:endParaRPr lang="uk-UA"/>
           </a:p>
@@ -2465,7 +2535,7 @@
             <a:fld id="{09E753FA-BE70-4E9D-A1A2-A798C2E22C2C}" type="datetime1">
               <a:rPr lang="uk-UA" smtClean="0"/>
               <a:pPr/>
-              <a:t>03.08.2022</a:t>
+              <a:t>15.12.2022</a:t>
             </a:fld>
             <a:endParaRPr lang="uk-UA"/>
           </a:p>
@@ -2557,7 +2627,7 @@
             <a:fld id="{BC4E9D1B-A194-48C6-B5A1-4C29D0F81227}" type="datetime1">
               <a:rPr lang="uk-UA" smtClean="0"/>
               <a:pPr/>
-              <a:t>03.08.2022</a:t>
+              <a:t>15.12.2022</a:t>
             </a:fld>
             <a:endParaRPr lang="uk-UA"/>
           </a:p>
@@ -2831,7 +2901,7 @@
             <a:fld id="{98DC5B78-3AEE-4E8C-84A2-DF8B252C6B7D}" type="datetime1">
               <a:rPr lang="uk-UA" smtClean="0"/>
               <a:pPr/>
-              <a:t>03.08.2022</a:t>
+              <a:t>15.12.2022</a:t>
             </a:fld>
             <a:endParaRPr lang="uk-UA"/>
           </a:p>
@@ -3081,7 +3151,7 @@
             <a:fld id="{08E6AC05-7690-4D29-B090-15CFA8055B58}" type="datetime1">
               <a:rPr lang="uk-UA" smtClean="0"/>
               <a:pPr/>
-              <a:t>03.08.2022</a:t>
+              <a:t>15.12.2022</a:t>
             </a:fld>
             <a:endParaRPr lang="uk-UA"/>
           </a:p>
@@ -3291,7 +3361,7 @@
             <a:fld id="{C4778AB5-85A2-4D58-9351-A198925B541D}" type="datetime1">
               <a:rPr lang="uk-UA" smtClean="0"/>
               <a:pPr/>
-              <a:t>03.08.2022</a:t>
+              <a:t>15.12.2022</a:t>
             </a:fld>
             <a:endParaRPr lang="uk-UA"/>
           </a:p>
@@ -4106,14 +4176,14 @@
           <p:nvPr>
             <p:extLst>
               <p:ext uri="{D42A27DB-BD31-4B8C-83A1-F6EECF244321}">
-                <p14:modId xmlns:p14="http://schemas.microsoft.com/office/powerpoint/2010/main" val="280259175"/>
+                <p14:modId xmlns:p14="http://schemas.microsoft.com/office/powerpoint/2010/main" val="1266406665"/>
               </p:ext>
             </p:extLst>
           </p:nvPr>
         </p:nvGraphicFramePr>
         <p:xfrm>
           <a:off x="5882944" y="2276872"/>
-          <a:ext cx="5994728" cy="648072"/>
+          <a:ext cx="4496046" cy="648072"/>
         </p:xfrm>
         <a:graphic>
           <a:graphicData uri="http://schemas.openxmlformats.org/drawingml/2006/table">
@@ -4161,20 +4231,6 @@
                   <a:extLst>
                     <a:ext uri="{9D8B030D-6E8A-4147-A177-3AD203B41FA5}">
                       <a16:colId xmlns:a16="http://schemas.microsoft.com/office/drawing/2014/main" val="20005"/>
-                    </a:ext>
-                  </a:extLst>
-                </a:gridCol>
-                <a:gridCol w="749341">
-                  <a:extLst>
-                    <a:ext uri="{9D8B030D-6E8A-4147-A177-3AD203B41FA5}">
-                      <a16:colId xmlns:a16="http://schemas.microsoft.com/office/drawing/2014/main" val="20006"/>
-                    </a:ext>
-                  </a:extLst>
-                </a:gridCol>
-                <a:gridCol w="749341">
-                  <a:extLst>
-                    <a:ext uri="{9D8B030D-6E8A-4147-A177-3AD203B41FA5}">
-                      <a16:colId xmlns:a16="http://schemas.microsoft.com/office/drawing/2014/main" val="20007"/>
                     </a:ext>
                   </a:extLst>
                 </a:gridCol>
@@ -4594,144 +4650,6 @@
                     <a:noFill/>
                   </a:tcPr>
                 </a:tc>
-                <a:tc>
-                  <a:txBody>
-                    <a:bodyPr/>
-                    <a:lstStyle/>
-                    <a:p>
-                      <a:pPr algn="ctr"/>
-                      <a:r>
-                        <a:rPr lang="en-US" sz="2800" dirty="0">
-                          <a:solidFill>
-                            <a:schemeClr val="tx1"/>
-                          </a:solidFill>
-                        </a:rPr>
-                        <a:t>===</a:t>
-                      </a:r>
-                      <a:endParaRPr lang="ru-RU" sz="2800" dirty="0">
-                        <a:solidFill>
-                          <a:schemeClr val="tx1"/>
-                        </a:solidFill>
-                      </a:endParaRPr>
-                    </a:p>
-                  </a:txBody>
-                  <a:tcPr anchor="ctr">
-                    <a:lnL w="12700" cap="flat" cmpd="sng" algn="ctr">
-                      <a:solidFill>
-                        <a:schemeClr val="tx1"/>
-                      </a:solidFill>
-                      <a:prstDash val="solid"/>
-                      <a:round/>
-                      <a:headEnd type="none" w="med" len="med"/>
-                      <a:tailEnd type="none" w="med" len="med"/>
-                    </a:lnL>
-                    <a:lnR w="12700" cap="flat" cmpd="sng" algn="ctr">
-                      <a:solidFill>
-                        <a:schemeClr val="tx1"/>
-                      </a:solidFill>
-                      <a:prstDash val="solid"/>
-                      <a:round/>
-                      <a:headEnd type="none" w="med" len="med"/>
-                      <a:tailEnd type="none" w="med" len="med"/>
-                    </a:lnR>
-                    <a:lnT w="12700" cap="flat" cmpd="sng" algn="ctr">
-                      <a:solidFill>
-                        <a:schemeClr val="tx1"/>
-                      </a:solidFill>
-                      <a:prstDash val="solid"/>
-                      <a:round/>
-                      <a:headEnd type="none" w="med" len="med"/>
-                      <a:tailEnd type="none" w="med" len="med"/>
-                    </a:lnT>
-                    <a:lnB w="12700" cap="flat" cmpd="sng" algn="ctr">
-                      <a:solidFill>
-                        <a:schemeClr val="tx1"/>
-                      </a:solidFill>
-                      <a:prstDash val="solid"/>
-                      <a:round/>
-                      <a:headEnd type="none" w="med" len="med"/>
-                      <a:tailEnd type="none" w="med" len="med"/>
-                    </a:lnB>
-                    <a:lnTlToBr w="12700" cmpd="sng">
-                      <a:noFill/>
-                      <a:prstDash val="solid"/>
-                    </a:lnTlToBr>
-                    <a:lnBlToTr w="12700" cmpd="sng">
-                      <a:noFill/>
-                      <a:prstDash val="solid"/>
-                    </a:lnBlToTr>
-                    <a:noFill/>
-                  </a:tcPr>
-                </a:tc>
-                <a:tc>
-                  <a:txBody>
-                    <a:bodyPr/>
-                    <a:lstStyle/>
-                    <a:p>
-                      <a:pPr algn="ctr"/>
-                      <a:r>
-                        <a:rPr lang="en-US" sz="2800" dirty="0">
-                          <a:solidFill>
-                            <a:schemeClr val="tx1"/>
-                          </a:solidFill>
-                        </a:rPr>
-                        <a:t>!==</a:t>
-                      </a:r>
-                      <a:endParaRPr lang="ru-RU" sz="2800" dirty="0">
-                        <a:solidFill>
-                          <a:schemeClr val="tx1"/>
-                        </a:solidFill>
-                      </a:endParaRPr>
-                    </a:p>
-                  </a:txBody>
-                  <a:tcPr anchor="ctr">
-                    <a:lnL w="12700" cap="flat" cmpd="sng" algn="ctr">
-                      <a:solidFill>
-                        <a:schemeClr val="tx1"/>
-                      </a:solidFill>
-                      <a:prstDash val="solid"/>
-                      <a:round/>
-                      <a:headEnd type="none" w="med" len="med"/>
-                      <a:tailEnd type="none" w="med" len="med"/>
-                    </a:lnL>
-                    <a:lnR w="12700" cap="flat" cmpd="sng" algn="ctr">
-                      <a:solidFill>
-                        <a:schemeClr val="tx1"/>
-                      </a:solidFill>
-                      <a:prstDash val="solid"/>
-                      <a:round/>
-                      <a:headEnd type="none" w="med" len="med"/>
-                      <a:tailEnd type="none" w="med" len="med"/>
-                    </a:lnR>
-                    <a:lnT w="12700" cap="flat" cmpd="sng" algn="ctr">
-                      <a:solidFill>
-                        <a:schemeClr val="tx1"/>
-                      </a:solidFill>
-                      <a:prstDash val="solid"/>
-                      <a:round/>
-                      <a:headEnd type="none" w="med" len="med"/>
-                      <a:tailEnd type="none" w="med" len="med"/>
-                    </a:lnT>
-                    <a:lnB w="12700" cap="flat" cmpd="sng" algn="ctr">
-                      <a:solidFill>
-                        <a:schemeClr val="tx1"/>
-                      </a:solidFill>
-                      <a:prstDash val="solid"/>
-                      <a:round/>
-                      <a:headEnd type="none" w="med" len="med"/>
-                      <a:tailEnd type="none" w="med" len="med"/>
-                    </a:lnB>
-                    <a:lnTlToBr w="12700" cmpd="sng">
-                      <a:noFill/>
-                      <a:prstDash val="solid"/>
-                    </a:lnTlToBr>
-                    <a:lnBlToTr w="12700" cmpd="sng">
-                      <a:noFill/>
-                      <a:prstDash val="solid"/>
-                    </a:lnBlToTr>
-                    <a:noFill/>
-                  </a:tcPr>
-                </a:tc>
                 <a:extLst>
                   <a:ext uri="{0D108BD9-81ED-4DB2-BD59-A6C34878D82A}">
                     <a16:rowId xmlns:a16="http://schemas.microsoft.com/office/drawing/2014/main" val="10000"/>
@@ -5074,23 +4992,63 @@
           </a:p>
         </p:txBody>
       </p:sp>
+      <p:sp>
+        <p:nvSpPr>
+          <p:cNvPr id="11" name="TextBox 10"/>
+          <p:cNvSpPr txBox="1"/>
+          <p:nvPr/>
+        </p:nvSpPr>
+        <p:spPr>
+          <a:xfrm>
+            <a:off x="2495600" y="3938280"/>
+            <a:ext cx="7804010" cy="1938992"/>
+          </a:xfrm>
+          <a:prstGeom prst="rect">
+            <a:avLst/>
+          </a:prstGeom>
+          <a:noFill/>
+        </p:spPr>
+        <p:txBody>
+          <a:bodyPr wrap="square" rtlCol="0">
+            <a:spAutoFit/>
+          </a:bodyPr>
+          <a:lstStyle/>
+          <a:p>
+            <a:r>
+              <a:rPr lang="ru-RU" sz="2400" b="1" dirty="0"/>
+              <a:t>Логические операторы </a:t>
+            </a:r>
+            <a:r>
+              <a:rPr lang="ru-RU" sz="2400" dirty="0"/>
+              <a:t>позволяют скомбинировать несколько условий в одно. Например когда необходимо проверить, чтобы сумма была больше нуля, но меньше имеющегося баланса, при этом оба условия должны выполнятся одновременно.</a:t>
+            </a:r>
+            <a:endParaRPr lang="uk-UA" sz="2400" dirty="0"/>
+          </a:p>
+        </p:txBody>
+      </p:sp>
       <p:graphicFrame>
         <p:nvGraphicFramePr>
-          <p:cNvPr id="9" name="Таблица 8"/>
+          <p:cNvPr id="2" name="Таблиця 1">
+            <a:extLst>
+              <a:ext uri="{FF2B5EF4-FFF2-40B4-BE49-F238E27FC236}">
+                <a16:creationId xmlns:a16="http://schemas.microsoft.com/office/drawing/2014/main" id="{0E8793C0-EE85-7F35-C645-5173B19444F4}"/>
+              </a:ext>
+            </a:extLst>
+          </p:cNvPr>
           <p:cNvGraphicFramePr>
             <a:graphicFrameLocks noGrp="1"/>
           </p:cNvGraphicFramePr>
           <p:nvPr>
             <p:extLst>
               <p:ext uri="{D42A27DB-BD31-4B8C-83A1-F6EECF244321}">
-                <p14:modId xmlns:p14="http://schemas.microsoft.com/office/powerpoint/2010/main" val="1835744337"/>
+                <p14:modId xmlns:p14="http://schemas.microsoft.com/office/powerpoint/2010/main" val="3684715755"/>
               </p:ext>
             </p:extLst>
           </p:nvPr>
         </p:nvGraphicFramePr>
         <p:xfrm>
-          <a:off x="5087888" y="2435199"/>
-          <a:ext cx="2248023" cy="648072"/>
+          <a:off x="5346659" y="2423500"/>
+          <a:ext cx="1498682" cy="648072"/>
         </p:xfrm>
         <a:graphic>
           <a:graphicData uri="http://schemas.openxmlformats.org/drawingml/2006/table">
@@ -5102,21 +5060,14 @@
                 <a:gridCol w="749341">
                   <a:extLst>
                     <a:ext uri="{9D8B030D-6E8A-4147-A177-3AD203B41FA5}">
-                      <a16:colId xmlns:a16="http://schemas.microsoft.com/office/drawing/2014/main" val="20000"/>
+                      <a16:colId xmlns:a16="http://schemas.microsoft.com/office/drawing/2014/main" val="3499509173"/>
                     </a:ext>
                   </a:extLst>
                 </a:gridCol>
                 <a:gridCol w="749341">
                   <a:extLst>
                     <a:ext uri="{9D8B030D-6E8A-4147-A177-3AD203B41FA5}">
-                      <a16:colId xmlns:a16="http://schemas.microsoft.com/office/drawing/2014/main" val="20001"/>
-                    </a:ext>
-                  </a:extLst>
-                </a:gridCol>
-                <a:gridCol w="749341">
-                  <a:extLst>
-                    <a:ext uri="{9D8B030D-6E8A-4147-A177-3AD203B41FA5}">
-                      <a16:colId xmlns:a16="http://schemas.microsoft.com/office/drawing/2014/main" val="20002"/>
+                      <a16:colId xmlns:a16="http://schemas.microsoft.com/office/drawing/2014/main" val="2342176564"/>
                     </a:ext>
                   </a:extLst>
                 </a:gridCol>
@@ -5260,78 +5211,9 @@
                     <a:noFill/>
                   </a:tcPr>
                 </a:tc>
-                <a:tc>
-                  <a:txBody>
-                    <a:bodyPr/>
-                    <a:lstStyle/>
-                    <a:p>
-                      <a:pPr algn="ctr"/>
-                      <a:r>
-                        <a:rPr lang="en-US" sz="2800" dirty="0">
-                          <a:solidFill>
-                            <a:schemeClr val="tx1"/>
-                          </a:solidFill>
-                        </a:rPr>
-                        <a:t>!</a:t>
-                      </a:r>
-                      <a:endParaRPr lang="ru-RU" sz="2800" dirty="0">
-                        <a:solidFill>
-                          <a:schemeClr val="tx1"/>
-                        </a:solidFill>
-                      </a:endParaRPr>
-                    </a:p>
-                  </a:txBody>
-                  <a:tcPr anchor="ctr">
-                    <a:lnL w="12700" cap="flat" cmpd="sng" algn="ctr">
-                      <a:solidFill>
-                        <a:schemeClr val="tx1"/>
-                      </a:solidFill>
-                      <a:prstDash val="solid"/>
-                      <a:round/>
-                      <a:headEnd type="none" w="med" len="med"/>
-                      <a:tailEnd type="none" w="med" len="med"/>
-                    </a:lnL>
-                    <a:lnR w="12700" cap="flat" cmpd="sng" algn="ctr">
-                      <a:solidFill>
-                        <a:schemeClr val="tx1"/>
-                      </a:solidFill>
-                      <a:prstDash val="solid"/>
-                      <a:round/>
-                      <a:headEnd type="none" w="med" len="med"/>
-                      <a:tailEnd type="none" w="med" len="med"/>
-                    </a:lnR>
-                    <a:lnT w="12700" cap="flat" cmpd="sng" algn="ctr">
-                      <a:solidFill>
-                        <a:schemeClr val="tx1"/>
-                      </a:solidFill>
-                      <a:prstDash val="solid"/>
-                      <a:round/>
-                      <a:headEnd type="none" w="med" len="med"/>
-                      <a:tailEnd type="none" w="med" len="med"/>
-                    </a:lnT>
-                    <a:lnB w="12700" cap="flat" cmpd="sng" algn="ctr">
-                      <a:solidFill>
-                        <a:schemeClr val="tx1"/>
-                      </a:solidFill>
-                      <a:prstDash val="solid"/>
-                      <a:round/>
-                      <a:headEnd type="none" w="med" len="med"/>
-                      <a:tailEnd type="none" w="med" len="med"/>
-                    </a:lnB>
-                    <a:lnTlToBr w="12700" cmpd="sng">
-                      <a:noFill/>
-                      <a:prstDash val="solid"/>
-                    </a:lnTlToBr>
-                    <a:lnBlToTr w="12700" cmpd="sng">
-                      <a:noFill/>
-                      <a:prstDash val="solid"/>
-                    </a:lnBlToTr>
-                    <a:noFill/>
-                  </a:tcPr>
-                </a:tc>
                 <a:extLst>
                   <a:ext uri="{0D108BD9-81ED-4DB2-BD59-A6C34878D82A}">
-                    <a16:rowId xmlns:a16="http://schemas.microsoft.com/office/drawing/2014/main" val="10000"/>
+                    <a16:rowId xmlns:a16="http://schemas.microsoft.com/office/drawing/2014/main" val="4025177213"/>
                   </a:ext>
                 </a:extLst>
               </a:tr>
@@ -5339,40 +5221,6 @@
           </a:graphicData>
         </a:graphic>
       </p:graphicFrame>
-      <p:sp>
-        <p:nvSpPr>
-          <p:cNvPr id="11" name="TextBox 10"/>
-          <p:cNvSpPr txBox="1"/>
-          <p:nvPr/>
-        </p:nvSpPr>
-        <p:spPr>
-          <a:xfrm>
-            <a:off x="2495600" y="3938280"/>
-            <a:ext cx="7804010" cy="1938992"/>
-          </a:xfrm>
-          <a:prstGeom prst="rect">
-            <a:avLst/>
-          </a:prstGeom>
-          <a:noFill/>
-        </p:spPr>
-        <p:txBody>
-          <a:bodyPr wrap="square" rtlCol="0">
-            <a:spAutoFit/>
-          </a:bodyPr>
-          <a:lstStyle/>
-          <a:p>
-            <a:r>
-              <a:rPr lang="ru-RU" sz="2400" b="1" dirty="0"/>
-              <a:t>Логические операторы </a:t>
-            </a:r>
-            <a:r>
-              <a:rPr lang="ru-RU" sz="2400" dirty="0"/>
-              <a:t>позволяют скомбинировать несколько условий в одно. Например когда необходимо проверить, чтобы сумма была больше нуля, но меньше имеющегося баланса, при этом оба условия должны выполнятся одновременно.</a:t>
-            </a:r>
-            <a:endParaRPr lang="uk-UA" sz="2400" dirty="0"/>
-          </a:p>
-        </p:txBody>
-      </p:sp>
     </p:spTree>
     <p:extLst>
       <p:ext uri="{BB962C8B-B14F-4D97-AF65-F5344CB8AC3E}">
@@ -9469,14 +9317,14 @@
           <p:nvPr>
             <p:extLst>
               <p:ext uri="{D42A27DB-BD31-4B8C-83A1-F6EECF244321}">
-                <p14:modId xmlns:p14="http://schemas.microsoft.com/office/powerpoint/2010/main" val="2098415853"/>
+                <p14:modId xmlns:p14="http://schemas.microsoft.com/office/powerpoint/2010/main" val="3171630546"/>
               </p:ext>
             </p:extLst>
           </p:nvPr>
         </p:nvGraphicFramePr>
         <p:xfrm>
           <a:off x="5735960" y="2132856"/>
-          <a:ext cx="5994728" cy="864096"/>
+          <a:ext cx="4496046" cy="864096"/>
         </p:xfrm>
         <a:graphic>
           <a:graphicData uri="http://schemas.openxmlformats.org/drawingml/2006/table">
@@ -9524,20 +9372,6 @@
                   <a:extLst>
                     <a:ext uri="{9D8B030D-6E8A-4147-A177-3AD203B41FA5}">
                       <a16:colId xmlns:a16="http://schemas.microsoft.com/office/drawing/2014/main" val="20005"/>
-                    </a:ext>
-                  </a:extLst>
-                </a:gridCol>
-                <a:gridCol w="749341">
-                  <a:extLst>
-                    <a:ext uri="{9D8B030D-6E8A-4147-A177-3AD203B41FA5}">
-                      <a16:colId xmlns:a16="http://schemas.microsoft.com/office/drawing/2014/main" val="20006"/>
-                    </a:ext>
-                  </a:extLst>
-                </a:gridCol>
-                <a:gridCol w="749341">
-                  <a:extLst>
-                    <a:ext uri="{9D8B030D-6E8A-4147-A177-3AD203B41FA5}">
-                      <a16:colId xmlns:a16="http://schemas.microsoft.com/office/drawing/2014/main" val="20007"/>
                     </a:ext>
                   </a:extLst>
                 </a:gridCol>
@@ -9901,144 +9735,6 @@
                           </a:solidFill>
                         </a:rPr>
                         <a:t>!=</a:t>
-                      </a:r>
-                      <a:endParaRPr lang="ru-RU" sz="2800" dirty="0">
-                        <a:solidFill>
-                          <a:schemeClr val="tx1"/>
-                        </a:solidFill>
-                      </a:endParaRPr>
-                    </a:p>
-                  </a:txBody>
-                  <a:tcPr anchor="ctr">
-                    <a:lnL w="12700" cap="flat" cmpd="sng" algn="ctr">
-                      <a:solidFill>
-                        <a:schemeClr val="tx1"/>
-                      </a:solidFill>
-                      <a:prstDash val="solid"/>
-                      <a:round/>
-                      <a:headEnd type="none" w="med" len="med"/>
-                      <a:tailEnd type="none" w="med" len="med"/>
-                    </a:lnL>
-                    <a:lnR w="12700" cap="flat" cmpd="sng" algn="ctr">
-                      <a:solidFill>
-                        <a:schemeClr val="tx1"/>
-                      </a:solidFill>
-                      <a:prstDash val="solid"/>
-                      <a:round/>
-                      <a:headEnd type="none" w="med" len="med"/>
-                      <a:tailEnd type="none" w="med" len="med"/>
-                    </a:lnR>
-                    <a:lnT w="12700" cap="flat" cmpd="sng" algn="ctr">
-                      <a:solidFill>
-                        <a:schemeClr val="tx1"/>
-                      </a:solidFill>
-                      <a:prstDash val="solid"/>
-                      <a:round/>
-                      <a:headEnd type="none" w="med" len="med"/>
-                      <a:tailEnd type="none" w="med" len="med"/>
-                    </a:lnT>
-                    <a:lnB w="12700" cap="flat" cmpd="sng" algn="ctr">
-                      <a:solidFill>
-                        <a:schemeClr val="tx1"/>
-                      </a:solidFill>
-                      <a:prstDash val="solid"/>
-                      <a:round/>
-                      <a:headEnd type="none" w="med" len="med"/>
-                      <a:tailEnd type="none" w="med" len="med"/>
-                    </a:lnB>
-                    <a:lnTlToBr w="12700" cmpd="sng">
-                      <a:noFill/>
-                      <a:prstDash val="solid"/>
-                    </a:lnTlToBr>
-                    <a:lnBlToTr w="12700" cmpd="sng">
-                      <a:noFill/>
-                      <a:prstDash val="solid"/>
-                    </a:lnBlToTr>
-                    <a:noFill/>
-                  </a:tcPr>
-                </a:tc>
-                <a:tc>
-                  <a:txBody>
-                    <a:bodyPr/>
-                    <a:lstStyle/>
-                    <a:p>
-                      <a:pPr algn="ctr"/>
-                      <a:r>
-                        <a:rPr lang="en-US" sz="2800" dirty="0">
-                          <a:solidFill>
-                            <a:schemeClr val="tx1"/>
-                          </a:solidFill>
-                        </a:rPr>
-                        <a:t>===</a:t>
-                      </a:r>
-                      <a:endParaRPr lang="ru-RU" sz="2800" dirty="0">
-                        <a:solidFill>
-                          <a:schemeClr val="tx1"/>
-                        </a:solidFill>
-                      </a:endParaRPr>
-                    </a:p>
-                  </a:txBody>
-                  <a:tcPr anchor="ctr">
-                    <a:lnL w="12700" cap="flat" cmpd="sng" algn="ctr">
-                      <a:solidFill>
-                        <a:schemeClr val="tx1"/>
-                      </a:solidFill>
-                      <a:prstDash val="solid"/>
-                      <a:round/>
-                      <a:headEnd type="none" w="med" len="med"/>
-                      <a:tailEnd type="none" w="med" len="med"/>
-                    </a:lnL>
-                    <a:lnR w="12700" cap="flat" cmpd="sng" algn="ctr">
-                      <a:solidFill>
-                        <a:schemeClr val="tx1"/>
-                      </a:solidFill>
-                      <a:prstDash val="solid"/>
-                      <a:round/>
-                      <a:headEnd type="none" w="med" len="med"/>
-                      <a:tailEnd type="none" w="med" len="med"/>
-                    </a:lnR>
-                    <a:lnT w="12700" cap="flat" cmpd="sng" algn="ctr">
-                      <a:solidFill>
-                        <a:schemeClr val="tx1"/>
-                      </a:solidFill>
-                      <a:prstDash val="solid"/>
-                      <a:round/>
-                      <a:headEnd type="none" w="med" len="med"/>
-                      <a:tailEnd type="none" w="med" len="med"/>
-                    </a:lnT>
-                    <a:lnB w="12700" cap="flat" cmpd="sng" algn="ctr">
-                      <a:solidFill>
-                        <a:schemeClr val="tx1"/>
-                      </a:solidFill>
-                      <a:prstDash val="solid"/>
-                      <a:round/>
-                      <a:headEnd type="none" w="med" len="med"/>
-                      <a:tailEnd type="none" w="med" len="med"/>
-                    </a:lnB>
-                    <a:lnTlToBr w="12700" cmpd="sng">
-                      <a:noFill/>
-                      <a:prstDash val="solid"/>
-                    </a:lnTlToBr>
-                    <a:lnBlToTr w="12700" cmpd="sng">
-                      <a:noFill/>
-                      <a:prstDash val="solid"/>
-                    </a:lnBlToTr>
-                    <a:noFill/>
-                  </a:tcPr>
-                </a:tc>
-                <a:tc>
-                  <a:txBody>
-                    <a:bodyPr/>
-                    <a:lstStyle/>
-                    <a:p>
-                      <a:pPr algn="ctr"/>
-                      <a:r>
-                        <a:rPr lang="en-US" sz="2800" dirty="0">
-                          <a:solidFill>
-                            <a:schemeClr val="tx1"/>
-                          </a:solidFill>
-                        </a:rPr>
-                        <a:t>!==</a:t>
                       </a:r>
                       <a:endParaRPr lang="ru-RU" sz="2800" dirty="0">
                         <a:solidFill>
